--- a/321_backups.pptx
+++ b/321_backups.pptx
@@ -198,7 +198,7 @@
           <a:p>
             <a:fld id="{8DBEFC69-A289-0E4B-BED1-9DA2E01D1191}" type="datetimeFigureOut">
               <a:rPr lang="en-US" smtClean="0"/>
-              <a:t>2013.06.18</a:t>
+              <a:t>2013.06.21</a:t>
             </a:fld>
             <a:endParaRPr lang="en-US"/>
           </a:p>
@@ -516,7 +516,27 @@
             </a:r>
             <a:r>
               <a:rPr lang="en-US" dirty="0" smtClean="0"/>
-              <a:t> Momma’s!  </a:t>
+              <a:t> Momma’s</a:t>
+            </a:r>
+            <a:r>
+              <a:rPr lang="en-US" dirty="0" smtClean="0"/>
+              <a:t>!</a:t>
+            </a:r>
+          </a:p>
+          <a:p>
+            <a:r>
+              <a:rPr lang="en-US" dirty="0" smtClean="0"/>
+              <a:t>Does</a:t>
+            </a:r>
+            <a:r>
+              <a:rPr lang="en-US" baseline="0" dirty="0" smtClean="0"/>
+              <a:t> PC1 </a:t>
+            </a:r>
+            <a:r>
+              <a:rPr lang="en-US" baseline="0" dirty="0" smtClean="0">
+                <a:sym typeface="Wingdings"/>
+              </a:rPr>
+              <a:t> cloud  PC2 satisfy 3-2-1?  NO</a:t>
             </a:r>
             <a:endParaRPr lang="en-US" dirty="0"/>
           </a:p>
@@ -549,6 +569,186 @@
     <p:extLst>
       <p:ext uri="{BB962C8B-B14F-4D97-AF65-F5344CB8AC3E}">
         <p14:creationId xmlns:p14="http://schemas.microsoft.com/office/powerpoint/2010/main" val="3401108991"/>
+      </p:ext>
+    </p:extLst>
+  </p:cSld>
+  <p:clrMapOvr>
+    <a:masterClrMapping/>
+  </p:clrMapOvr>
+</p:notes>
+</file>
+
+<file path=ppt/notesSlides/notesSlide2.xml><?xml version="1.0" encoding="utf-8"?>
+<p:notes xmlns:a="http://schemas.openxmlformats.org/drawingml/2006/main" xmlns:r="http://schemas.openxmlformats.org/officeDocument/2006/relationships" xmlns:p="http://schemas.openxmlformats.org/presentationml/2006/main">
+  <p:cSld>
+    <p:spTree>
+      <p:nvGrpSpPr>
+        <p:cNvPr id="1" name=""/>
+        <p:cNvGrpSpPr/>
+        <p:nvPr/>
+      </p:nvGrpSpPr>
+      <p:grpSpPr>
+        <a:xfrm>
+          <a:off x="0" y="0"/>
+          <a:ext cx="0" cy="0"/>
+          <a:chOff x="0" y="0"/>
+          <a:chExt cx="0" cy="0"/>
+        </a:xfrm>
+      </p:grpSpPr>
+      <p:sp>
+        <p:nvSpPr>
+          <p:cNvPr id="2" name="Slide Image Placeholder 1"/>
+          <p:cNvSpPr>
+            <a:spLocks noGrp="1" noRot="1" noChangeAspect="1"/>
+          </p:cNvSpPr>
+          <p:nvPr>
+            <p:ph type="sldImg"/>
+          </p:nvPr>
+        </p:nvSpPr>
+        <p:spPr/>
+      </p:sp>
+      <p:sp>
+        <p:nvSpPr>
+          <p:cNvPr id="3" name="Notes Placeholder 2"/>
+          <p:cNvSpPr>
+            <a:spLocks noGrp="1"/>
+          </p:cNvSpPr>
+          <p:nvPr>
+            <p:ph type="body" idx="1"/>
+          </p:nvPr>
+        </p:nvSpPr>
+        <p:spPr/>
+        <p:txBody>
+          <a:bodyPr/>
+          <a:lstStyle/>
+          <a:p>
+            <a:r>
+              <a:rPr lang="en-US" dirty="0" smtClean="0"/>
+              <a:t>For home use, keep it simple.  The idea is that you actually do it!</a:t>
+            </a:r>
+            <a:endParaRPr lang="en-US" dirty="0"/>
+          </a:p>
+        </p:txBody>
+      </p:sp>
+      <p:sp>
+        <p:nvSpPr>
+          <p:cNvPr id="4" name="Slide Number Placeholder 3"/>
+          <p:cNvSpPr>
+            <a:spLocks noGrp="1"/>
+          </p:cNvSpPr>
+          <p:nvPr>
+            <p:ph type="sldNum" sz="quarter" idx="10"/>
+          </p:nvPr>
+        </p:nvSpPr>
+        <p:spPr/>
+        <p:txBody>
+          <a:bodyPr/>
+          <a:lstStyle/>
+          <a:p>
+            <a:fld id="{058AE4A8-6C73-5348-8F1E-66C36E93E124}" type="slidenum">
+              <a:rPr lang="en-US" smtClean="0"/>
+              <a:t>5</a:t>
+            </a:fld>
+            <a:endParaRPr lang="en-US"/>
+          </a:p>
+        </p:txBody>
+      </p:sp>
+    </p:spTree>
+    <p:extLst>
+      <p:ext uri="{BB962C8B-B14F-4D97-AF65-F5344CB8AC3E}">
+        <p14:creationId xmlns:p14="http://schemas.microsoft.com/office/powerpoint/2010/main" val="998939984"/>
+      </p:ext>
+    </p:extLst>
+  </p:cSld>
+  <p:clrMapOvr>
+    <a:masterClrMapping/>
+  </p:clrMapOvr>
+</p:notes>
+</file>
+
+<file path=ppt/notesSlides/notesSlide3.xml><?xml version="1.0" encoding="utf-8"?>
+<p:notes xmlns:a="http://schemas.openxmlformats.org/drawingml/2006/main" xmlns:r="http://schemas.openxmlformats.org/officeDocument/2006/relationships" xmlns:p="http://schemas.openxmlformats.org/presentationml/2006/main">
+  <p:cSld>
+    <p:spTree>
+      <p:nvGrpSpPr>
+        <p:cNvPr id="1" name=""/>
+        <p:cNvGrpSpPr/>
+        <p:nvPr/>
+      </p:nvGrpSpPr>
+      <p:grpSpPr>
+        <a:xfrm>
+          <a:off x="0" y="0"/>
+          <a:ext cx="0" cy="0"/>
+          <a:chOff x="0" y="0"/>
+          <a:chExt cx="0" cy="0"/>
+        </a:xfrm>
+      </p:grpSpPr>
+      <p:sp>
+        <p:nvSpPr>
+          <p:cNvPr id="2" name="Slide Image Placeholder 1"/>
+          <p:cNvSpPr>
+            <a:spLocks noGrp="1" noRot="1" noChangeAspect="1"/>
+          </p:cNvSpPr>
+          <p:nvPr>
+            <p:ph type="sldImg"/>
+          </p:nvPr>
+        </p:nvSpPr>
+        <p:spPr/>
+      </p:sp>
+      <p:sp>
+        <p:nvSpPr>
+          <p:cNvPr id="3" name="Notes Placeholder 2"/>
+          <p:cNvSpPr>
+            <a:spLocks noGrp="1"/>
+          </p:cNvSpPr>
+          <p:nvPr>
+            <p:ph type="body" idx="1"/>
+          </p:nvPr>
+        </p:nvSpPr>
+        <p:spPr/>
+        <p:txBody>
+          <a:bodyPr/>
+          <a:lstStyle/>
+          <a:p>
+            <a:r>
+              <a:rPr lang="en-US" dirty="0" smtClean="0"/>
+              <a:t>Don’t have External</a:t>
+            </a:r>
+            <a:r>
+              <a:rPr lang="en-US" baseline="0" dirty="0" smtClean="0"/>
+              <a:t> HD &amp; USB Flash drive connected to computer at the same time.  Why?</a:t>
+            </a:r>
+            <a:endParaRPr lang="en-US" dirty="0"/>
+          </a:p>
+        </p:txBody>
+      </p:sp>
+      <p:sp>
+        <p:nvSpPr>
+          <p:cNvPr id="4" name="Slide Number Placeholder 3"/>
+          <p:cNvSpPr>
+            <a:spLocks noGrp="1"/>
+          </p:cNvSpPr>
+          <p:nvPr>
+            <p:ph type="sldNum" sz="quarter" idx="10"/>
+          </p:nvPr>
+        </p:nvSpPr>
+        <p:spPr/>
+        <p:txBody>
+          <a:bodyPr/>
+          <a:lstStyle/>
+          <a:p>
+            <a:fld id="{058AE4A8-6C73-5348-8F1E-66C36E93E124}" type="slidenum">
+              <a:rPr lang="en-US" smtClean="0"/>
+              <a:t>6</a:t>
+            </a:fld>
+            <a:endParaRPr lang="en-US"/>
+          </a:p>
+        </p:txBody>
+      </p:sp>
+    </p:spTree>
+    <p:extLst>
+      <p:ext uri="{BB962C8B-B14F-4D97-AF65-F5344CB8AC3E}">
+        <p14:creationId xmlns:p14="http://schemas.microsoft.com/office/powerpoint/2010/main" val="1826757282"/>
       </p:ext>
     </p:extLst>
   </p:cSld>
@@ -744,7 +944,7 @@
           <a:p>
             <a:fld id="{34603AD3-6838-FF4F-B28D-55A4EC84713F}" type="datetimeFigureOut">
               <a:rPr lang="en-US" smtClean="0"/>
-              <a:t>2013.06.18</a:t>
+              <a:t>2013.06.21</a:t>
             </a:fld>
             <a:endParaRPr lang="en-US"/>
           </a:p>
@@ -1101,7 +1301,7 @@
           <a:p>
             <a:fld id="{34603AD3-6838-FF4F-B28D-55A4EC84713F}" type="datetimeFigureOut">
               <a:rPr lang="en-US" smtClean="0"/>
-              <a:t>2013.06.18</a:t>
+              <a:t>2013.06.21</a:t>
             </a:fld>
             <a:endParaRPr lang="en-US"/>
           </a:p>
@@ -1270,7 +1470,7 @@
           <a:p>
             <a:fld id="{34603AD3-6838-FF4F-B28D-55A4EC84713F}" type="datetimeFigureOut">
               <a:rPr lang="en-US" smtClean="0"/>
-              <a:t>2013.06.18</a:t>
+              <a:t>2013.06.21</a:t>
             </a:fld>
             <a:endParaRPr lang="en-US"/>
           </a:p>
@@ -1449,7 +1649,7 @@
           <a:p>
             <a:fld id="{34603AD3-6838-FF4F-B28D-55A4EC84713F}" type="datetimeFigureOut">
               <a:rPr lang="en-US" smtClean="0"/>
-              <a:t>2013.06.18</a:t>
+              <a:t>2013.06.21</a:t>
             </a:fld>
             <a:endParaRPr lang="en-US"/>
           </a:p>
@@ -1618,7 +1818,7 @@
           <a:p>
             <a:fld id="{34603AD3-6838-FF4F-B28D-55A4EC84713F}" type="datetimeFigureOut">
               <a:rPr lang="en-US" smtClean="0"/>
-              <a:t>2013.06.18</a:t>
+              <a:t>2013.06.21</a:t>
             </a:fld>
             <a:endParaRPr lang="en-US"/>
           </a:p>
@@ -1895,7 +2095,7 @@
           <a:p>
             <a:fld id="{34603AD3-6838-FF4F-B28D-55A4EC84713F}" type="datetimeFigureOut">
               <a:rPr lang="en-US" smtClean="0"/>
-              <a:t>2013.06.18</a:t>
+              <a:t>2013.06.21</a:t>
             </a:fld>
             <a:endParaRPr lang="en-US"/>
           </a:p>
@@ -2187,7 +2387,7 @@
           <a:p>
             <a:fld id="{34603AD3-6838-FF4F-B28D-55A4EC84713F}" type="datetimeFigureOut">
               <a:rPr lang="en-US" smtClean="0"/>
-              <a:t>2013.06.18</a:t>
+              <a:t>2013.06.21</a:t>
             </a:fld>
             <a:endParaRPr lang="en-US"/>
           </a:p>
@@ -2623,7 +2823,7 @@
           <a:p>
             <a:fld id="{34603AD3-6838-FF4F-B28D-55A4EC84713F}" type="datetimeFigureOut">
               <a:rPr lang="en-US" smtClean="0"/>
-              <a:t>2013.06.18</a:t>
+              <a:t>2013.06.21</a:t>
             </a:fld>
             <a:endParaRPr lang="en-US"/>
           </a:p>
@@ -2736,7 +2936,7 @@
           <a:p>
             <a:fld id="{34603AD3-6838-FF4F-B28D-55A4EC84713F}" type="datetimeFigureOut">
               <a:rPr lang="en-US" smtClean="0"/>
-              <a:t>2013.06.18</a:t>
+              <a:t>2013.06.21</a:t>
             </a:fld>
             <a:endParaRPr lang="en-US"/>
           </a:p>
@@ -2826,7 +3026,7 @@
           <a:p>
             <a:fld id="{34603AD3-6838-FF4F-B28D-55A4EC84713F}" type="datetimeFigureOut">
               <a:rPr lang="en-US" smtClean="0"/>
-              <a:t>2013.06.18</a:t>
+              <a:t>2013.06.21</a:t>
             </a:fld>
             <a:endParaRPr lang="en-US"/>
           </a:p>
@@ -3163,7 +3363,7 @@
           <a:p>
             <a:fld id="{34603AD3-6838-FF4F-B28D-55A4EC84713F}" type="datetimeFigureOut">
               <a:rPr lang="en-US" smtClean="0"/>
-              <a:t>2013.06.18</a:t>
+              <a:t>2013.06.21</a:t>
             </a:fld>
             <a:endParaRPr lang="en-US"/>
           </a:p>
@@ -3478,7 +3678,7 @@
           <a:p>
             <a:fld id="{34603AD3-6838-FF4F-B28D-55A4EC84713F}" type="datetimeFigureOut">
               <a:rPr lang="en-US" smtClean="0"/>
-              <a:t>2013.06.18</a:t>
+              <a:t>2013.06.21</a:t>
             </a:fld>
             <a:endParaRPr lang="en-US"/>
           </a:p>
@@ -3724,7 +3924,7 @@
           <a:p>
             <a:fld id="{34603AD3-6838-FF4F-B28D-55A4EC84713F}" type="datetimeFigureOut">
               <a:rPr lang="en-US" smtClean="0"/>
-              <a:t>2013.06.18</a:t>
+              <a:t>2013.06.21</a:t>
             </a:fld>
             <a:endParaRPr lang="en-US"/>
           </a:p>
@@ -4305,7 +4505,12 @@
             <p:ph type="title"/>
           </p:nvPr>
         </p:nvSpPr>
-        <p:spPr/>
+        <p:spPr>
+          <a:xfrm>
+            <a:off x="779462" y="107577"/>
+            <a:ext cx="7581901" cy="1105266"/>
+          </a:xfrm>
+        </p:spPr>
         <p:txBody>
           <a:bodyPr/>
           <a:lstStyle/>
@@ -4334,19 +4539,42 @@
         </p:nvSpPr>
         <p:spPr>
           <a:xfrm>
-            <a:off x="420463" y="1882587"/>
-            <a:ext cx="8340615" cy="4433827"/>
+            <a:off x="420463" y="1470675"/>
+            <a:ext cx="8340615" cy="4948241"/>
           </a:xfrm>
         </p:spPr>
         <p:txBody>
           <a:bodyPr>
-            <a:normAutofit lnSpcReduction="10000"/>
+            <a:normAutofit fontScale="92500" lnSpcReduction="10000"/>
           </a:bodyPr>
           <a:lstStyle/>
           <a:p>
             <a:r>
+              <a:rPr lang="en-US" sz="3600" dirty="0" smtClean="0">
+                <a:solidFill>
+                  <a:schemeClr val="accent1">
+                    <a:lumMod val="60000"/>
+                    <a:lumOff val="40000"/>
+                  </a:schemeClr>
+                </a:solidFill>
+              </a:rPr>
+              <a:t>1</a:t>
+            </a:r>
+            <a:r>
               <a:rPr lang="en-US" sz="3600" dirty="0" smtClean="0"/>
-              <a:t>1 Primary, 2 backups</a:t>
+              <a:t> Primary, </a:t>
+            </a:r>
+            <a:r>
+              <a:rPr lang="en-US" sz="3600" dirty="0" smtClean="0">
+                <a:solidFill>
+                  <a:srgbClr val="FAEA68"/>
+                </a:solidFill>
+              </a:rPr>
+              <a:t>2</a:t>
+            </a:r>
+            <a:r>
+              <a:rPr lang="en-US" sz="3600" dirty="0" smtClean="0"/>
+              <a:t> backups</a:t>
             </a:r>
             <a:endParaRPr lang="en-US" sz="3600" i="1" dirty="0" smtClean="0"/>
           </a:p>
@@ -4357,7 +4585,15 @@
             </a:r>
             <a:r>
               <a:rPr lang="en-US" sz="3600" i="1" dirty="0" smtClean="0"/>
-              <a:t>isn’t</a:t>
+              <a:t>isn’t </a:t>
+            </a:r>
+            <a:r>
+              <a:rPr lang="en-US" sz="3600" dirty="0" smtClean="0"/>
+              <a:t>a </a:t>
+            </a:r>
+            <a:r>
+              <a:rPr lang="en-US" sz="3600" dirty="0" smtClean="0"/>
+              <a:t>backup copy</a:t>
             </a:r>
             <a:r>
               <a:rPr lang="en-US" sz="3600" dirty="0" smtClean="0"/>
@@ -4384,19 +4620,25 @@
               <a:rPr lang="en-US" sz="3600" dirty="0" smtClean="0"/>
               <a:t>On a device: phone, camera, tablet</a:t>
             </a:r>
-          </a:p>
-          <a:p>
-            <a:pPr lvl="2"/>
-            <a:r>
-              <a:rPr lang="en-US" sz="3400" dirty="0" smtClean="0"/>
-              <a:t>Why?</a:t>
-            </a:r>
+            <a:endParaRPr lang="en-US" sz="3400" dirty="0" smtClean="0"/>
           </a:p>
           <a:p>
             <a:pPr lvl="1"/>
             <a:r>
               <a:rPr lang="en-US" sz="3600" dirty="0" smtClean="0"/>
               <a:t>Nearby / same physical location copy?</a:t>
+            </a:r>
+          </a:p>
+          <a:p>
+            <a:r>
+              <a:rPr lang="en-US" sz="3800" dirty="0" smtClean="0"/>
+              <a:t>Risks</a:t>
+            </a:r>
+          </a:p>
+          <a:p>
+            <a:r>
+              <a:rPr lang="en-US" sz="3800" i="1" dirty="0" smtClean="0"/>
+              <a:t>Restorable</a:t>
             </a:r>
           </a:p>
         </p:txBody>
@@ -4936,15 +5178,33 @@
                                   </p:childTnLst>
                                 </p:cTn>
                               </p:par>
+                            </p:childTnLst>
+                          </p:cTn>
+                        </p:par>
+                      </p:childTnLst>
+                    </p:cTn>
+                  </p:par>
+                  <p:par>
+                    <p:cTn id="33" fill="hold">
+                      <p:stCondLst>
+                        <p:cond delay="indefinite"/>
+                      </p:stCondLst>
+                      <p:childTnLst>
+                        <p:par>
+                          <p:cTn id="34" fill="hold">
+                            <p:stCondLst>
+                              <p:cond delay="0"/>
+                            </p:stCondLst>
+                            <p:childTnLst>
                               <p:par>
-                                <p:cTn id="33" presetID="2" presetClass="entr" presetSubtype="4" fill="hold" nodeType="withEffect">
+                                <p:cTn id="35" presetID="2" presetClass="entr" presetSubtype="4" fill="hold" nodeType="clickEffect">
                                   <p:stCondLst>
                                     <p:cond delay="0"/>
                                   </p:stCondLst>
                                   <p:childTnLst>
                                     <p:set>
                                       <p:cBhvr>
-                                        <p:cTn id="34" dur="1" fill="hold">
+                                        <p:cTn id="36" dur="1" fill="hold">
                                           <p:stCondLst>
                                             <p:cond delay="0"/>
                                           </p:stCondLst>
@@ -4966,7 +5226,7 @@
                                     </p:set>
                                     <p:anim calcmode="lin" valueType="num">
                                       <p:cBhvr additive="base">
-                                        <p:cTn id="35" dur="500" fill="hold"/>
+                                        <p:cTn id="37" dur="500" fill="hold"/>
                                         <p:tgtEl>
                                           <p:spTgt spid="3">
                                             <p:txEl>
@@ -4993,7 +5253,7 @@
                                     </p:anim>
                                     <p:anim calcmode="lin" valueType="num">
                                       <p:cBhvr additive="base">
-                                        <p:cTn id="36" dur="500" fill="hold"/>
+                                        <p:cTn id="38" dur="500" fill="hold"/>
                                         <p:tgtEl>
                                           <p:spTgt spid="3">
                                             <p:txEl>
@@ -5028,26 +5288,26 @@
                     </p:cTn>
                   </p:par>
                   <p:par>
-                    <p:cTn id="37" fill="hold">
+                    <p:cTn id="39" fill="hold">
                       <p:stCondLst>
                         <p:cond delay="indefinite"/>
                       </p:stCondLst>
                       <p:childTnLst>
                         <p:par>
-                          <p:cTn id="38" fill="hold">
+                          <p:cTn id="40" fill="hold">
                             <p:stCondLst>
                               <p:cond delay="0"/>
                             </p:stCondLst>
                             <p:childTnLst>
                               <p:par>
-                                <p:cTn id="39" presetID="2" presetClass="entr" presetSubtype="4" fill="hold" nodeType="clickEffect">
+                                <p:cTn id="41" presetID="2" presetClass="entr" presetSubtype="4" fill="hold" nodeType="clickEffect">
                                   <p:stCondLst>
                                     <p:cond delay="0"/>
                                   </p:stCondLst>
                                   <p:childTnLst>
                                     <p:set>
                                       <p:cBhvr>
-                                        <p:cTn id="40" dur="1" fill="hold">
+                                        <p:cTn id="42" dur="1" fill="hold">
                                           <p:stCondLst>
                                             <p:cond delay="0"/>
                                           </p:stCondLst>
@@ -5069,7 +5329,7 @@
                                     </p:set>
                                     <p:anim calcmode="lin" valueType="num">
                                       <p:cBhvr additive="base">
-                                        <p:cTn id="41" dur="500" fill="hold"/>
+                                        <p:cTn id="43" dur="500" fill="hold"/>
                                         <p:tgtEl>
                                           <p:spTgt spid="3">
                                             <p:txEl>
@@ -5096,11 +5356,114 @@
                                     </p:anim>
                                     <p:anim calcmode="lin" valueType="num">
                                       <p:cBhvr additive="base">
-                                        <p:cTn id="42" dur="500" fill="hold"/>
+                                        <p:cTn id="44" dur="500" fill="hold"/>
                                         <p:tgtEl>
                                           <p:spTgt spid="3">
                                             <p:txEl>
                                               <p:pRg st="6" end="6"/>
+                                            </p:txEl>
+                                          </p:spTgt>
+                                        </p:tgtEl>
+                                        <p:attrNameLst>
+                                          <p:attrName>ppt_y</p:attrName>
+                                        </p:attrNameLst>
+                                      </p:cBhvr>
+                                      <p:tavLst>
+                                        <p:tav tm="0">
+                                          <p:val>
+                                            <p:strVal val="1+#ppt_h/2"/>
+                                          </p:val>
+                                        </p:tav>
+                                        <p:tav tm="100000">
+                                          <p:val>
+                                            <p:strVal val="#ppt_y"/>
+                                          </p:val>
+                                        </p:tav>
+                                      </p:tavLst>
+                                    </p:anim>
+                                  </p:childTnLst>
+                                </p:cTn>
+                              </p:par>
+                            </p:childTnLst>
+                          </p:cTn>
+                        </p:par>
+                      </p:childTnLst>
+                    </p:cTn>
+                  </p:par>
+                  <p:par>
+                    <p:cTn id="45" fill="hold">
+                      <p:stCondLst>
+                        <p:cond delay="indefinite"/>
+                      </p:stCondLst>
+                      <p:childTnLst>
+                        <p:par>
+                          <p:cTn id="46" fill="hold">
+                            <p:stCondLst>
+                              <p:cond delay="0"/>
+                            </p:stCondLst>
+                            <p:childTnLst>
+                              <p:par>
+                                <p:cTn id="47" presetID="2" presetClass="entr" presetSubtype="4" fill="hold" nodeType="clickEffect">
+                                  <p:stCondLst>
+                                    <p:cond delay="0"/>
+                                  </p:stCondLst>
+                                  <p:childTnLst>
+                                    <p:set>
+                                      <p:cBhvr>
+                                        <p:cTn id="48" dur="1" fill="hold">
+                                          <p:stCondLst>
+                                            <p:cond delay="0"/>
+                                          </p:stCondLst>
+                                        </p:cTn>
+                                        <p:tgtEl>
+                                          <p:spTgt spid="3">
+                                            <p:txEl>
+                                              <p:pRg st="7" end="7"/>
+                                            </p:txEl>
+                                          </p:spTgt>
+                                        </p:tgtEl>
+                                        <p:attrNameLst>
+                                          <p:attrName>style.visibility</p:attrName>
+                                        </p:attrNameLst>
+                                      </p:cBhvr>
+                                      <p:to>
+                                        <p:strVal val="visible"/>
+                                      </p:to>
+                                    </p:set>
+                                    <p:anim calcmode="lin" valueType="num">
+                                      <p:cBhvr additive="base">
+                                        <p:cTn id="49" dur="500" fill="hold"/>
+                                        <p:tgtEl>
+                                          <p:spTgt spid="3">
+                                            <p:txEl>
+                                              <p:pRg st="7" end="7"/>
+                                            </p:txEl>
+                                          </p:spTgt>
+                                        </p:tgtEl>
+                                        <p:attrNameLst>
+                                          <p:attrName>ppt_x</p:attrName>
+                                        </p:attrNameLst>
+                                      </p:cBhvr>
+                                      <p:tavLst>
+                                        <p:tav tm="0">
+                                          <p:val>
+                                            <p:strVal val="#ppt_x"/>
+                                          </p:val>
+                                        </p:tav>
+                                        <p:tav tm="100000">
+                                          <p:val>
+                                            <p:strVal val="#ppt_x"/>
+                                          </p:val>
+                                        </p:tav>
+                                      </p:tavLst>
+                                    </p:anim>
+                                    <p:anim calcmode="lin" valueType="num">
+                                      <p:cBhvr additive="base">
+                                        <p:cTn id="50" dur="500" fill="hold"/>
+                                        <p:tgtEl>
+                                          <p:spTgt spid="3">
+                                            <p:txEl>
+                                              <p:pRg st="7" end="7"/>
                                             </p:txEl>
                                           </p:spTgt>
                                         </p:tgtEl>
@@ -6280,7 +6643,7 @@
         <p:spPr>
           <a:xfrm>
             <a:off x="420463" y="1882588"/>
-            <a:ext cx="8000967" cy="3953436"/>
+            <a:ext cx="8000967" cy="4448928"/>
           </a:xfrm>
         </p:spPr>
         <p:txBody>
@@ -6320,6 +6683,12 @@
             <a:r>
               <a:rPr lang="en-US" sz="3200" dirty="0" smtClean="0"/>
               <a:t> Hub / Bit Bucket or other Remote Repo</a:t>
+            </a:r>
+          </a:p>
+          <a:p>
+            <a:r>
+              <a:rPr lang="en-US" sz="3200" dirty="0" smtClean="0"/>
+              <a:t>Explicit backup policy</a:t>
             </a:r>
           </a:p>
         </p:txBody>
@@ -6754,6 +7123,109 @@
                       </p:childTnLst>
                     </p:cTn>
                   </p:par>
+                  <p:par>
+                    <p:cTn id="27" fill="hold">
+                      <p:stCondLst>
+                        <p:cond delay="indefinite"/>
+                      </p:stCondLst>
+                      <p:childTnLst>
+                        <p:par>
+                          <p:cTn id="28" fill="hold">
+                            <p:stCondLst>
+                              <p:cond delay="0"/>
+                            </p:stCondLst>
+                            <p:childTnLst>
+                              <p:par>
+                                <p:cTn id="29" presetID="2" presetClass="entr" presetSubtype="4" fill="hold" nodeType="clickEffect">
+                                  <p:stCondLst>
+                                    <p:cond delay="0"/>
+                                  </p:stCondLst>
+                                  <p:childTnLst>
+                                    <p:set>
+                                      <p:cBhvr>
+                                        <p:cTn id="30" dur="1" fill="hold">
+                                          <p:stCondLst>
+                                            <p:cond delay="0"/>
+                                          </p:stCondLst>
+                                        </p:cTn>
+                                        <p:tgtEl>
+                                          <p:spTgt spid="3">
+                                            <p:txEl>
+                                              <p:pRg st="5" end="5"/>
+                                            </p:txEl>
+                                          </p:spTgt>
+                                        </p:tgtEl>
+                                        <p:attrNameLst>
+                                          <p:attrName>style.visibility</p:attrName>
+                                        </p:attrNameLst>
+                                      </p:cBhvr>
+                                      <p:to>
+                                        <p:strVal val="visible"/>
+                                      </p:to>
+                                    </p:set>
+                                    <p:anim calcmode="lin" valueType="num">
+                                      <p:cBhvr additive="base">
+                                        <p:cTn id="31" dur="500" fill="hold"/>
+                                        <p:tgtEl>
+                                          <p:spTgt spid="3">
+                                            <p:txEl>
+                                              <p:pRg st="5" end="5"/>
+                                            </p:txEl>
+                                          </p:spTgt>
+                                        </p:tgtEl>
+                                        <p:attrNameLst>
+                                          <p:attrName>ppt_x</p:attrName>
+                                        </p:attrNameLst>
+                                      </p:cBhvr>
+                                      <p:tavLst>
+                                        <p:tav tm="0">
+                                          <p:val>
+                                            <p:strVal val="#ppt_x"/>
+                                          </p:val>
+                                        </p:tav>
+                                        <p:tav tm="100000">
+                                          <p:val>
+                                            <p:strVal val="#ppt_x"/>
+                                          </p:val>
+                                        </p:tav>
+                                      </p:tavLst>
+                                    </p:anim>
+                                    <p:anim calcmode="lin" valueType="num">
+                                      <p:cBhvr additive="base">
+                                        <p:cTn id="32" dur="500" fill="hold"/>
+                                        <p:tgtEl>
+                                          <p:spTgt spid="3">
+                                            <p:txEl>
+                                              <p:pRg st="5" end="5"/>
+                                            </p:txEl>
+                                          </p:spTgt>
+                                        </p:tgtEl>
+                                        <p:attrNameLst>
+                                          <p:attrName>ppt_y</p:attrName>
+                                        </p:attrNameLst>
+                                      </p:cBhvr>
+                                      <p:tavLst>
+                                        <p:tav tm="0">
+                                          <p:val>
+                                            <p:strVal val="1+#ppt_h/2"/>
+                                          </p:val>
+                                        </p:tav>
+                                        <p:tav tm="100000">
+                                          <p:val>
+                                            <p:strVal val="#ppt_y"/>
+                                          </p:val>
+                                        </p:tav>
+                                      </p:tavLst>
+                                    </p:anim>
+                                  </p:childTnLst>
+                                </p:cTn>
+                              </p:par>
+                            </p:childTnLst>
+                          </p:cTn>
+                        </p:par>
+                      </p:childTnLst>
+                    </p:cTn>
+                  </p:par>
                 </p:childTnLst>
               </p:cTn>
               <p:prevCondLst>
@@ -6859,11 +7331,7 @@
             </a:r>
             <a:r>
               <a:rPr lang="en-US" sz="5400" dirty="0" smtClean="0"/>
-              <a:t> </a:t>
-            </a:r>
-            <a:r>
-              <a:rPr lang="en-US" sz="5400" dirty="0" smtClean="0"/>
-              <a:t>copies</a:t>
+              <a:t> copies</a:t>
             </a:r>
           </a:p>
           <a:p>
@@ -6901,7 +7369,6 @@
               <a:rPr lang="en-US" sz="5400" dirty="0" smtClean="0"/>
               <a:t> backup</a:t>
             </a:r>
-            <a:endParaRPr lang="en-US" sz="5400" dirty="0" smtClean="0"/>
           </a:p>
           <a:p>
             <a:pPr marL="0" indent="0">
